--- a/BE project/review 1.pptx
+++ b/BE project/review 1.pptx
@@ -213,7 +213,7 @@
           <a:p>
             <a:fld id="{858422AE-C141-4A17-9373-C1B46C475AD1}" type="datetimeFigureOut">
               <a:rPr lang="en-US" smtClean="0"/>
-              <a:t>10/17/2018</a:t>
+              <a:t>12/20/2018</a:t>
             </a:fld>
             <a:endParaRPr lang="en-US"/>
           </a:p>
@@ -757,7 +757,7 @@
             <a:fld id="{C2CA34DB-7C42-4DA2-9325-7B5EF80AF00C}" type="datetimeFigureOut">
               <a:rPr lang="en-US" smtClean="0"/>
               <a:pPr/>
-              <a:t>10/17/2018</a:t>
+              <a:t>12/20/2018</a:t>
             </a:fld>
             <a:endParaRPr lang="en-US"/>
           </a:p>
@@ -923,7 +923,7 @@
             <a:fld id="{C2CA34DB-7C42-4DA2-9325-7B5EF80AF00C}" type="datetimeFigureOut">
               <a:rPr lang="en-US" smtClean="0"/>
               <a:pPr/>
-              <a:t>10/17/2018</a:t>
+              <a:t>12/20/2018</a:t>
             </a:fld>
             <a:endParaRPr lang="en-US"/>
           </a:p>
@@ -1099,7 +1099,7 @@
             <a:fld id="{C2CA34DB-7C42-4DA2-9325-7B5EF80AF00C}" type="datetimeFigureOut">
               <a:rPr lang="en-US" smtClean="0"/>
               <a:pPr/>
-              <a:t>10/17/2018</a:t>
+              <a:t>12/20/2018</a:t>
             </a:fld>
             <a:endParaRPr lang="en-US"/>
           </a:p>
@@ -1284,7 +1284,7 @@
             <a:fld id="{C2CA34DB-7C42-4DA2-9325-7B5EF80AF00C}" type="datetimeFigureOut">
               <a:rPr lang="en-US" smtClean="0"/>
               <a:pPr/>
-              <a:t>10/17/2018</a:t>
+              <a:t>12/20/2018</a:t>
             </a:fld>
             <a:endParaRPr lang="en-US"/>
           </a:p>
@@ -1548,7 +1548,7 @@
             <a:fld id="{C2CA34DB-7C42-4DA2-9325-7B5EF80AF00C}" type="datetimeFigureOut">
               <a:rPr lang="en-US" smtClean="0"/>
               <a:pPr/>
-              <a:t>10/17/2018</a:t>
+              <a:t>12/20/2018</a:t>
             </a:fld>
             <a:endParaRPr lang="en-US"/>
           </a:p>
@@ -1897,7 +1897,7 @@
             <a:fld id="{C2CA34DB-7C42-4DA2-9325-7B5EF80AF00C}" type="datetimeFigureOut">
               <a:rPr lang="en-US" smtClean="0"/>
               <a:pPr/>
-              <a:t>10/17/2018</a:t>
+              <a:t>12/20/2018</a:t>
             </a:fld>
             <a:endParaRPr lang="en-US"/>
           </a:p>
@@ -2205,7 +2205,7 @@
             <a:fld id="{C2CA34DB-7C42-4DA2-9325-7B5EF80AF00C}" type="datetimeFigureOut">
               <a:rPr lang="en-US" smtClean="0"/>
               <a:pPr/>
-              <a:t>10/17/2018</a:t>
+              <a:t>12/20/2018</a:t>
             </a:fld>
             <a:endParaRPr lang="en-US"/>
           </a:p>
@@ -2434,7 +2434,7 @@
             <a:fld id="{C2CA34DB-7C42-4DA2-9325-7B5EF80AF00C}" type="datetimeFigureOut">
               <a:rPr lang="en-US" smtClean="0"/>
               <a:pPr/>
-              <a:t>10/17/2018</a:t>
+              <a:t>12/20/2018</a:t>
             </a:fld>
             <a:endParaRPr lang="en-US"/>
           </a:p>
@@ -2526,7 +2526,7 @@
             <a:fld id="{C2CA34DB-7C42-4DA2-9325-7B5EF80AF00C}" type="datetimeFigureOut">
               <a:rPr lang="en-US" smtClean="0"/>
               <a:pPr/>
-              <a:t>10/17/2018</a:t>
+              <a:t>12/20/2018</a:t>
             </a:fld>
             <a:endParaRPr lang="en-US"/>
           </a:p>
@@ -2816,7 +2816,7 @@
             <a:fld id="{C2CA34DB-7C42-4DA2-9325-7B5EF80AF00C}" type="datetimeFigureOut">
               <a:rPr lang="en-US" smtClean="0"/>
               <a:pPr/>
-              <a:t>10/17/2018</a:t>
+              <a:t>12/20/2018</a:t>
             </a:fld>
             <a:endParaRPr lang="en-US"/>
           </a:p>
@@ -3087,7 +3087,7 @@
             <a:fld id="{C2CA34DB-7C42-4DA2-9325-7B5EF80AF00C}" type="datetimeFigureOut">
               <a:rPr lang="en-US" smtClean="0"/>
               <a:pPr/>
-              <a:t>10/17/2018</a:t>
+              <a:t>12/20/2018</a:t>
             </a:fld>
             <a:endParaRPr lang="en-US"/>
           </a:p>
@@ -3299,7 +3299,7 @@
             <a:fld id="{C2CA34DB-7C42-4DA2-9325-7B5EF80AF00C}" type="datetimeFigureOut">
               <a:rPr lang="en-US" smtClean="0"/>
               <a:pPr/>
-              <a:t>10/17/2018</a:t>
+              <a:t>12/20/2018</a:t>
             </a:fld>
             <a:endParaRPr lang="en-US"/>
           </a:p>
